--- a/Documentation/Team_PengsQL Scrump PR.pptx
+++ b/Documentation/Team_PengsQL Scrump PR.pptx
@@ -3357,51 +3357,61 @@
             <p:ph type="ctrTitle"/>
           </p:nvPr>
         </p:nvSpPr>
-        <p:spPr/>
-        <p:txBody>
-          <a:bodyPr/>
+        <p:spPr>
+          <a:xfrm>
+            <a:off x="1907456" y="3962399"/>
+            <a:ext cx="8426245" cy="872613"/>
+          </a:xfrm>
+        </p:spPr>
+        <p:txBody>
+          <a:bodyPr>
+            <a:normAutofit/>
+          </a:bodyPr>
           <a:lstStyle/>
           <a:p>
             <a:r>
-              <a:rPr lang="ko-KR" altLang="en-US" dirty="0"/>
+              <a:rPr lang="ko-KR" altLang="en-US" sz="2800" dirty="0"/>
               <a:t>개발방법론</a:t>
             </a:r>
           </a:p>
         </p:txBody>
       </p:sp>
-      <p:sp>
-        <p:nvSpPr>
-          <p:cNvPr id="3" name="부제목 2">
-            <a:extLst>
-              <a:ext uri="{FF2B5EF4-FFF2-40B4-BE49-F238E27FC236}">
-                <a16:creationId xmlns:a16="http://schemas.microsoft.com/office/drawing/2014/main" id="{16FBC513-9335-DB21-07BC-39D9360272C6}"/>
-              </a:ext>
-            </a:extLst>
-          </p:cNvPr>
-          <p:cNvSpPr>
-            <a:spLocks noGrp="1"/>
-          </p:cNvSpPr>
-          <p:nvPr>
-            <p:ph type="subTitle" idx="1"/>
-          </p:nvPr>
-        </p:nvSpPr>
-        <p:spPr/>
-        <p:txBody>
-          <a:bodyPr/>
-          <a:lstStyle/>
-          <a:p>
-            <a:r>
-              <a:rPr lang="en-US" altLang="ko-KR" dirty="0" err="1"/>
-              <a:t>vept</a:t>
-            </a:r>
-            <a:r>
-              <a:rPr lang="en-US" altLang="ko-KR" dirty="0"/>
-              <a:t> </a:t>
-            </a:r>
-            <a:endParaRPr lang="ko-KR" altLang="en-US" dirty="0"/>
-          </a:p>
-        </p:txBody>
-      </p:sp>
+      <p:pic>
+        <p:nvPicPr>
+          <p:cNvPr id="5" name="그림 4">
+            <a:extLst>
+              <a:ext uri="{FF2B5EF4-FFF2-40B4-BE49-F238E27FC236}">
+                <a16:creationId xmlns:a16="http://schemas.microsoft.com/office/drawing/2014/main" id="{95A4B8E2-406A-773C-0AD3-656FD123C33B}"/>
+              </a:ext>
+            </a:extLst>
+          </p:cNvPr>
+          <p:cNvPicPr>
+            <a:picLocks noChangeAspect="1"/>
+          </p:cNvPicPr>
+          <p:nvPr/>
+        </p:nvPicPr>
+        <p:blipFill>
+          <a:blip r:embed="rId2">
+            <a:extLst>
+              <a:ext uri="{28A0092B-C50C-407E-A947-70E740481C1C}">
+                <a14:useLocalDpi xmlns:a14="http://schemas.microsoft.com/office/drawing/2010/main" val="0"/>
+              </a:ext>
+            </a:extLst>
+          </a:blip>
+          <a:stretch>
+            <a:fillRect/>
+          </a:stretch>
+        </p:blipFill>
+        <p:spPr>
+          <a:xfrm>
+            <a:off x="1580495" y="2101646"/>
+            <a:ext cx="9080166" cy="1993827"/>
+          </a:xfrm>
+          <a:prstGeom prst="rect">
+            <a:avLst/>
+          </a:prstGeom>
+        </p:spPr>
+      </p:pic>
     </p:spTree>
     <p:extLst>
       <p:ext uri="{BB962C8B-B14F-4D97-AF65-F5344CB8AC3E}">
